--- a/Engineering Portfolio.pptx
+++ b/Engineering Portfolio.pptx
@@ -106,7 +106,255 @@
       </a:defRPr>
     </a:lvl9pPr>
   </p:defaultTextStyle>
+  <p:extLst>
+    <p:ext uri="{EFAFB233-063F-42B5-8137-9DF3F51BA10A}">
+      <p15:sldGuideLst xmlns:p15="http://schemas.microsoft.com/office/powerpoint/2012/main"/>
+    </p:ext>
+  </p:extLst>
 </p:presentation>
+</file>
+
+<file path=ppt/revisionInfo.xml><?xml version="1.0" encoding="utf-8"?>
+<p1510:revInfo xmlns:a="http://schemas.openxmlformats.org/drawingml/2006/main" xmlns:r="http://schemas.openxmlformats.org/officeDocument/2006/relationships" xmlns:p1510="http://schemas.microsoft.com/office/powerpoint/2015/10/main">
+  <p1510:revLst>
+    <p1510:client id="{08D608AE-113D-4FB0-9136-E7000A0C3A75}" v="10" dt="2022-02-13T01:54:07.901"/>
+  </p1510:revLst>
+</p1510:revInfo>
+</file>
+
+<file path=ppt/changesInfos/changesInfo1.xml><?xml version="1.0" encoding="utf-8"?>
+<pc:chgInfo xmlns:a="http://schemas.openxmlformats.org/drawingml/2006/main" xmlns:r="http://schemas.openxmlformats.org/officeDocument/2006/relationships" xmlns:ac="http://schemas.microsoft.com/office/drawing/2013/main/command" xmlns:pc="http://schemas.microsoft.com/office/powerpoint/2013/main/command">
+  <pc:docChgLst>
+    <pc:chgData name="Thomas Lando" userId="a16d01e44e8bbab5" providerId="LiveId" clId="{08D608AE-113D-4FB0-9136-E7000A0C3A75}"/>
+    <pc:docChg chg="undo custSel modSld">
+      <pc:chgData name="Thomas Lando" userId="a16d01e44e8bbab5" providerId="LiveId" clId="{08D608AE-113D-4FB0-9136-E7000A0C3A75}" dt="2022-02-13T01:54:14.406" v="1945" actId="1076"/>
+      <pc:docMkLst>
+        <pc:docMk/>
+      </pc:docMkLst>
+      <pc:sldChg chg="addSp modSp mod setBg">
+        <pc:chgData name="Thomas Lando" userId="a16d01e44e8bbab5" providerId="LiveId" clId="{08D608AE-113D-4FB0-9136-E7000A0C3A75}" dt="2022-02-12T00:44:14.893" v="605" actId="20577"/>
+        <pc:sldMkLst>
+          <pc:docMk/>
+          <pc:sldMk cId="3196362157" sldId="256"/>
+        </pc:sldMkLst>
+        <pc:spChg chg="mod">
+          <ac:chgData name="Thomas Lando" userId="a16d01e44e8bbab5" providerId="LiveId" clId="{08D608AE-113D-4FB0-9136-E7000A0C3A75}" dt="2022-02-12T00:36:00.309" v="8" actId="14100"/>
+          <ac:spMkLst>
+            <pc:docMk/>
+            <pc:sldMk cId="3196362157" sldId="256"/>
+            <ac:spMk id="2" creationId="{431F3638-85B6-4722-AD82-E39AD5D53720}"/>
+          </ac:spMkLst>
+        </pc:spChg>
+        <pc:spChg chg="mod">
+          <ac:chgData name="Thomas Lando" userId="a16d01e44e8bbab5" providerId="LiveId" clId="{08D608AE-113D-4FB0-9136-E7000A0C3A75}" dt="2022-02-12T00:36:13.189" v="11" actId="1076"/>
+          <ac:spMkLst>
+            <pc:docMk/>
+            <pc:sldMk cId="3196362157" sldId="256"/>
+            <ac:spMk id="3" creationId="{764EAA8C-6195-4D80-933C-AFEB9492C5DC}"/>
+          </ac:spMkLst>
+        </pc:spChg>
+        <pc:spChg chg="add mod">
+          <ac:chgData name="Thomas Lando" userId="a16d01e44e8bbab5" providerId="LiveId" clId="{08D608AE-113D-4FB0-9136-E7000A0C3A75}" dt="2022-02-12T00:44:14.893" v="605" actId="20577"/>
+          <ac:spMkLst>
+            <pc:docMk/>
+            <pc:sldMk cId="3196362157" sldId="256"/>
+            <ac:spMk id="8" creationId="{132145D0-49B1-4125-9802-C34BDAB5E5FF}"/>
+          </ac:spMkLst>
+        </pc:spChg>
+        <pc:spChg chg="add">
+          <ac:chgData name="Thomas Lando" userId="a16d01e44e8bbab5" providerId="LiveId" clId="{08D608AE-113D-4FB0-9136-E7000A0C3A75}" dt="2022-02-12T00:35:53.092" v="6" actId="26606"/>
+          <ac:spMkLst>
+            <pc:docMk/>
+            <pc:sldMk cId="3196362157" sldId="256"/>
+            <ac:spMk id="12" creationId="{9D49B1F5-E95E-4D8F-9A06-39677A39B787}"/>
+          </ac:spMkLst>
+        </pc:spChg>
+        <pc:picChg chg="add mod">
+          <ac:chgData name="Thomas Lando" userId="a16d01e44e8bbab5" providerId="LiveId" clId="{08D608AE-113D-4FB0-9136-E7000A0C3A75}" dt="2022-02-12T00:35:53.092" v="6" actId="26606"/>
+          <ac:picMkLst>
+            <pc:docMk/>
+            <pc:sldMk cId="3196362157" sldId="256"/>
+            <ac:picMk id="5" creationId="{B8C19298-AAF1-4170-85F8-739ECFFD05CD}"/>
+          </ac:picMkLst>
+        </pc:picChg>
+        <pc:picChg chg="add mod">
+          <ac:chgData name="Thomas Lando" userId="a16d01e44e8bbab5" providerId="LiveId" clId="{08D608AE-113D-4FB0-9136-E7000A0C3A75}" dt="2022-02-12T00:35:53.092" v="6" actId="26606"/>
+          <ac:picMkLst>
+            <pc:docMk/>
+            <pc:sldMk cId="3196362157" sldId="256"/>
+            <ac:picMk id="7" creationId="{5927428F-ACFD-4534-9DB4-2584A293F996}"/>
+          </ac:picMkLst>
+        </pc:picChg>
+      </pc:sldChg>
+      <pc:sldChg chg="addSp delSp modSp mod">
+        <pc:chgData name="Thomas Lando" userId="a16d01e44e8bbab5" providerId="LiveId" clId="{08D608AE-113D-4FB0-9136-E7000A0C3A75}" dt="2022-02-13T01:54:14.406" v="1945" actId="1076"/>
+        <pc:sldMkLst>
+          <pc:docMk/>
+          <pc:sldMk cId="4180747790" sldId="257"/>
+        </pc:sldMkLst>
+        <pc:spChg chg="add del">
+          <ac:chgData name="Thomas Lando" userId="a16d01e44e8bbab5" providerId="LiveId" clId="{08D608AE-113D-4FB0-9136-E7000A0C3A75}" dt="2022-02-12T00:58:36.282" v="610" actId="478"/>
+          <ac:spMkLst>
+            <pc:docMk/>
+            <pc:sldMk cId="4180747790" sldId="257"/>
+            <ac:spMk id="4" creationId="{C68243CF-6EA8-4402-81D9-67F7BAEEDDF0}"/>
+          </ac:spMkLst>
+        </pc:spChg>
+        <pc:spChg chg="del">
+          <ac:chgData name="Thomas Lando" userId="a16d01e44e8bbab5" providerId="LiveId" clId="{08D608AE-113D-4FB0-9136-E7000A0C3A75}" dt="2022-02-12T00:44:25.737" v="606" actId="478"/>
+          <ac:spMkLst>
+            <pc:docMk/>
+            <pc:sldMk cId="4180747790" sldId="257"/>
+            <ac:spMk id="5" creationId="{33B462F1-CFAE-45D0-9F50-1BAE130AC9CE}"/>
+          </ac:spMkLst>
+        </pc:spChg>
+        <pc:spChg chg="add del">
+          <ac:chgData name="Thomas Lando" userId="a16d01e44e8bbab5" providerId="LiveId" clId="{08D608AE-113D-4FB0-9136-E7000A0C3A75}" dt="2022-02-12T00:58:32.890" v="609" actId="478"/>
+          <ac:spMkLst>
+            <pc:docMk/>
+            <pc:sldMk cId="4180747790" sldId="257"/>
+            <ac:spMk id="6" creationId="{924ED4D2-45E0-4A23-AC2A-24C0753FBC24}"/>
+          </ac:spMkLst>
+        </pc:spChg>
+        <pc:spChg chg="add mod">
+          <ac:chgData name="Thomas Lando" userId="a16d01e44e8bbab5" providerId="LiveId" clId="{08D608AE-113D-4FB0-9136-E7000A0C3A75}" dt="2022-02-12T00:59:18.877" v="614" actId="1076"/>
+          <ac:spMkLst>
+            <pc:docMk/>
+            <pc:sldMk cId="4180747790" sldId="257"/>
+            <ac:spMk id="8" creationId="{A893E374-B4D1-4F3B-AD3B-4C84BD708F50}"/>
+          </ac:spMkLst>
+        </pc:spChg>
+        <pc:spChg chg="add mod">
+          <ac:chgData name="Thomas Lando" userId="a16d01e44e8bbab5" providerId="LiveId" clId="{08D608AE-113D-4FB0-9136-E7000A0C3A75}" dt="2022-02-13T01:53:04.519" v="1940" actId="1076"/>
+          <ac:spMkLst>
+            <pc:docMk/>
+            <pc:sldMk cId="4180747790" sldId="257"/>
+            <ac:spMk id="9" creationId="{A20B8682-D45E-4768-8654-A1BBDACE7C88}"/>
+          </ac:spMkLst>
+        </pc:spChg>
+        <pc:spChg chg="add mod">
+          <ac:chgData name="Thomas Lando" userId="a16d01e44e8bbab5" providerId="LiveId" clId="{08D608AE-113D-4FB0-9136-E7000A0C3A75}" dt="2022-02-12T04:37:26.107" v="1331" actId="20577"/>
+          <ac:spMkLst>
+            <pc:docMk/>
+            <pc:sldMk cId="4180747790" sldId="257"/>
+            <ac:spMk id="10" creationId="{8E172DD6-AB6B-4BAF-B155-303848097DF7}"/>
+          </ac:spMkLst>
+        </pc:spChg>
+        <pc:picChg chg="add mod">
+          <ac:chgData name="Thomas Lando" userId="a16d01e44e8bbab5" providerId="LiveId" clId="{08D608AE-113D-4FB0-9136-E7000A0C3A75}" dt="2022-02-13T01:54:14.406" v="1945" actId="1076"/>
+          <ac:picMkLst>
+            <pc:docMk/>
+            <pc:sldMk cId="4180747790" sldId="257"/>
+            <ac:picMk id="3" creationId="{B51CC2C7-AB4D-4493-B58C-23A6D1BC0E4D}"/>
+          </ac:picMkLst>
+        </pc:picChg>
+        <pc:picChg chg="add mod">
+          <ac:chgData name="Thomas Lando" userId="a16d01e44e8bbab5" providerId="LiveId" clId="{08D608AE-113D-4FB0-9136-E7000A0C3A75}" dt="2022-02-12T04:37:49.521" v="1338" actId="1076"/>
+          <ac:picMkLst>
+            <pc:docMk/>
+            <pc:sldMk cId="4180747790" sldId="257"/>
+            <ac:picMk id="11" creationId="{316DB2DC-A31E-4A7E-83D3-93A71FE996A6}"/>
+          </ac:picMkLst>
+        </pc:picChg>
+        <pc:picChg chg="add mod">
+          <ac:chgData name="Thomas Lando" userId="a16d01e44e8bbab5" providerId="LiveId" clId="{08D608AE-113D-4FB0-9136-E7000A0C3A75}" dt="2022-02-12T04:38:25.557" v="1341" actId="14100"/>
+          <ac:picMkLst>
+            <pc:docMk/>
+            <pc:sldMk cId="4180747790" sldId="257"/>
+            <ac:picMk id="13" creationId="{3F4694BF-954E-4E8B-87D6-7D47E3AAC1AD}"/>
+          </ac:picMkLst>
+        </pc:picChg>
+      </pc:sldChg>
+      <pc:sldChg chg="addSp delSp modSp mod setBg">
+        <pc:chgData name="Thomas Lando" userId="a16d01e44e8bbab5" providerId="LiveId" clId="{08D608AE-113D-4FB0-9136-E7000A0C3A75}" dt="2022-02-12T04:57:20.682" v="1823" actId="33524"/>
+        <pc:sldMkLst>
+          <pc:docMk/>
+          <pc:sldMk cId="721040999" sldId="258"/>
+        </pc:sldMkLst>
+        <pc:spChg chg="add mod ord">
+          <ac:chgData name="Thomas Lando" userId="a16d01e44e8bbab5" providerId="LiveId" clId="{08D608AE-113D-4FB0-9136-E7000A0C3A75}" dt="2022-02-12T04:57:20.682" v="1823" actId="33524"/>
+          <ac:spMkLst>
+            <pc:docMk/>
+            <pc:sldMk cId="721040999" sldId="258"/>
+            <ac:spMk id="2" creationId="{3E6C9E38-32BF-48AC-AA8B-ABD31901E5B9}"/>
+          </ac:spMkLst>
+        </pc:spChg>
+        <pc:spChg chg="del">
+          <ac:chgData name="Thomas Lando" userId="a16d01e44e8bbab5" providerId="LiveId" clId="{08D608AE-113D-4FB0-9136-E7000A0C3A75}" dt="2022-02-12T04:39:09.979" v="1342" actId="478"/>
+          <ac:spMkLst>
+            <pc:docMk/>
+            <pc:sldMk cId="721040999" sldId="258"/>
+            <ac:spMk id="5" creationId="{B368E3F2-8FEA-4007-8CAD-31C0A5098D38}"/>
+          </ac:spMkLst>
+        </pc:spChg>
+        <pc:spChg chg="add del">
+          <ac:chgData name="Thomas Lando" userId="a16d01e44e8bbab5" providerId="LiveId" clId="{08D608AE-113D-4FB0-9136-E7000A0C3A75}" dt="2022-02-12T04:54:14.857" v="1791" actId="26606"/>
+          <ac:spMkLst>
+            <pc:docMk/>
+            <pc:sldMk cId="721040999" sldId="258"/>
+            <ac:spMk id="12" creationId="{C2CAC0E2-A334-4A65-B7FA-9BDDAD042CC6}"/>
+          </ac:spMkLst>
+        </pc:spChg>
+        <pc:spChg chg="add mod ord">
+          <ac:chgData name="Thomas Lando" userId="a16d01e44e8bbab5" providerId="LiveId" clId="{08D608AE-113D-4FB0-9136-E7000A0C3A75}" dt="2022-02-12T04:56:56.329" v="1822" actId="207"/>
+          <ac:spMkLst>
+            <pc:docMk/>
+            <pc:sldMk cId="721040999" sldId="258"/>
+            <ac:spMk id="13" creationId="{CA73CF60-19A6-424A-ACA8-C147CA1A4843}"/>
+          </ac:spMkLst>
+        </pc:spChg>
+        <pc:spChg chg="add del">
+          <ac:chgData name="Thomas Lando" userId="a16d01e44e8bbab5" providerId="LiveId" clId="{08D608AE-113D-4FB0-9136-E7000A0C3A75}" dt="2022-02-12T04:55:52.038" v="1813" actId="26606"/>
+          <ac:spMkLst>
+            <pc:docMk/>
+            <pc:sldMk cId="721040999" sldId="258"/>
+            <ac:spMk id="14" creationId="{270875A5-96F9-4EB9-A2D5-51557F526D61}"/>
+          </ac:spMkLst>
+        </pc:spChg>
+        <pc:spChg chg="add">
+          <ac:chgData name="Thomas Lando" userId="a16d01e44e8bbab5" providerId="LiveId" clId="{08D608AE-113D-4FB0-9136-E7000A0C3A75}" dt="2022-02-12T04:55:52.038" v="1813" actId="26606"/>
+          <ac:spMkLst>
+            <pc:docMk/>
+            <pc:sldMk cId="721040999" sldId="258"/>
+            <ac:spMk id="19" creationId="{17640DEC-97A2-496C-B454-5B165BB64ACD}"/>
+          </ac:spMkLst>
+        </pc:spChg>
+        <pc:picChg chg="add mod ord">
+          <ac:chgData name="Thomas Lando" userId="a16d01e44e8bbab5" providerId="LiveId" clId="{08D608AE-113D-4FB0-9136-E7000A0C3A75}" dt="2022-02-12T04:55:52.038" v="1813" actId="26606"/>
+          <ac:picMkLst>
+            <pc:docMk/>
+            <pc:sldMk cId="721040999" sldId="258"/>
+            <ac:picMk id="4" creationId="{849CEC0A-EB51-435D-8433-2F8388025555}"/>
+          </ac:picMkLst>
+        </pc:picChg>
+        <pc:picChg chg="add mod ord">
+          <ac:chgData name="Thomas Lando" userId="a16d01e44e8bbab5" providerId="LiveId" clId="{08D608AE-113D-4FB0-9136-E7000A0C3A75}" dt="2022-02-12T04:55:52.038" v="1813" actId="26606"/>
+          <ac:picMkLst>
+            <pc:docMk/>
+            <pc:sldMk cId="721040999" sldId="258"/>
+            <ac:picMk id="7" creationId="{80E505C7-ED45-47A2-8E17-F7362A86AAA2}"/>
+          </ac:picMkLst>
+        </pc:picChg>
+        <pc:picChg chg="add mod ord">
+          <ac:chgData name="Thomas Lando" userId="a16d01e44e8bbab5" providerId="LiveId" clId="{08D608AE-113D-4FB0-9136-E7000A0C3A75}" dt="2022-02-12T04:55:52.038" v="1813" actId="26606"/>
+          <ac:picMkLst>
+            <pc:docMk/>
+            <pc:sldMk cId="721040999" sldId="258"/>
+            <ac:picMk id="9" creationId="{B298DDB0-4976-4AB6-B850-1B39C652626B}"/>
+          </ac:picMkLst>
+        </pc:picChg>
+        <pc:picChg chg="add mod">
+          <ac:chgData name="Thomas Lando" userId="a16d01e44e8bbab5" providerId="LiveId" clId="{08D608AE-113D-4FB0-9136-E7000A0C3A75}" dt="2022-02-12T04:56:36.041" v="1819" actId="1076"/>
+          <ac:picMkLst>
+            <pc:docMk/>
+            <pc:sldMk cId="721040999" sldId="258"/>
+            <ac:picMk id="11" creationId="{9DD30364-9F73-46CE-A5EB-EE57EE5B8DB2}"/>
+          </ac:picMkLst>
+        </pc:picChg>
+      </pc:sldChg>
+    </pc:docChg>
+  </pc:docChgLst>
+</pc:chgInfo>
 </file>
 
 <file path=ppt/slideLayouts/slideLayout1.xml><?xml version="1.0" encoding="utf-8"?>
@@ -322,7 +570,7 @@
           <a:p>
             <a:fld id="{1467BD4C-A8A4-480D-871A-1E422B8D82D4}" type="datetimeFigureOut">
               <a:rPr lang="en-AU" smtClean="0"/>
-              <a:t>10/02/2022</a:t>
+              <a:t>13/02/2022</a:t>
             </a:fld>
             <a:endParaRPr lang="en-AU"/>
           </a:p>
@@ -613,7 +861,7 @@
           <a:p>
             <a:fld id="{1467BD4C-A8A4-480D-871A-1E422B8D82D4}" type="datetimeFigureOut">
               <a:rPr lang="en-AU" smtClean="0"/>
-              <a:t>10/02/2022</a:t>
+              <a:t>13/02/2022</a:t>
             </a:fld>
             <a:endParaRPr lang="en-AU"/>
           </a:p>
@@ -872,7 +1120,7 @@
           <a:p>
             <a:fld id="{1467BD4C-A8A4-480D-871A-1E422B8D82D4}" type="datetimeFigureOut">
               <a:rPr lang="en-AU" smtClean="0"/>
-              <a:t>10/02/2022</a:t>
+              <a:t>13/02/2022</a:t>
             </a:fld>
             <a:endParaRPr lang="en-AU"/>
           </a:p>
@@ -1341,7 +1589,7 @@
           <a:p>
             <a:fld id="{1467BD4C-A8A4-480D-871A-1E422B8D82D4}" type="datetimeFigureOut">
               <a:rPr lang="en-AU" smtClean="0"/>
-              <a:t>10/02/2022</a:t>
+              <a:t>13/02/2022</a:t>
             </a:fld>
             <a:endParaRPr lang="en-AU"/>
           </a:p>
@@ -1521,7 +1769,7 @@
           <a:p>
             <a:fld id="{1467BD4C-A8A4-480D-871A-1E422B8D82D4}" type="datetimeFigureOut">
               <a:rPr lang="en-AU" smtClean="0"/>
-              <a:t>10/02/2022</a:t>
+              <a:t>13/02/2022</a:t>
             </a:fld>
             <a:endParaRPr lang="en-AU"/>
           </a:p>
@@ -2097,7 +2345,7 @@
           <a:p>
             <a:fld id="{1467BD4C-A8A4-480D-871A-1E422B8D82D4}" type="datetimeFigureOut">
               <a:rPr lang="en-AU" smtClean="0"/>
-              <a:t>10/02/2022</a:t>
+              <a:t>13/02/2022</a:t>
             </a:fld>
             <a:endParaRPr lang="en-AU"/>
           </a:p>
@@ -2429,7 +2677,7 @@
           <a:p>
             <a:fld id="{1467BD4C-A8A4-480D-871A-1E422B8D82D4}" type="datetimeFigureOut">
               <a:rPr lang="en-AU" smtClean="0"/>
-              <a:t>10/02/2022</a:t>
+              <a:t>13/02/2022</a:t>
             </a:fld>
             <a:endParaRPr lang="en-AU"/>
           </a:p>
@@ -2604,7 +2852,7 @@
           <a:p>
             <a:fld id="{1467BD4C-A8A4-480D-871A-1E422B8D82D4}" type="datetimeFigureOut">
               <a:rPr lang="en-AU" smtClean="0"/>
-              <a:t>10/02/2022</a:t>
+              <a:t>13/02/2022</a:t>
             </a:fld>
             <a:endParaRPr lang="en-AU"/>
           </a:p>
@@ -2784,7 +3032,7 @@
           <a:p>
             <a:fld id="{1467BD4C-A8A4-480D-871A-1E422B8D82D4}" type="datetimeFigureOut">
               <a:rPr lang="en-AU" smtClean="0"/>
-              <a:t>10/02/2022</a:t>
+              <a:t>13/02/2022</a:t>
             </a:fld>
             <a:endParaRPr lang="en-AU"/>
           </a:p>
@@ -2954,7 +3202,7 @@
           <a:p>
             <a:fld id="{1467BD4C-A8A4-480D-871A-1E422B8D82D4}" type="datetimeFigureOut">
               <a:rPr lang="en-AU" smtClean="0"/>
-              <a:t>10/02/2022</a:t>
+              <a:t>13/02/2022</a:t>
             </a:fld>
             <a:endParaRPr lang="en-AU"/>
           </a:p>
@@ -3211,7 +3459,7 @@
           <a:p>
             <a:fld id="{1467BD4C-A8A4-480D-871A-1E422B8D82D4}" type="datetimeFigureOut">
               <a:rPr lang="en-AU" smtClean="0"/>
-              <a:t>10/02/2022</a:t>
+              <a:t>13/02/2022</a:t>
             </a:fld>
             <a:endParaRPr lang="en-AU"/>
           </a:p>
@@ -3503,7 +3751,7 @@
           <a:p>
             <a:fld id="{1467BD4C-A8A4-480D-871A-1E422B8D82D4}" type="datetimeFigureOut">
               <a:rPr lang="en-AU" smtClean="0"/>
-              <a:t>10/02/2022</a:t>
+              <a:t>13/02/2022</a:t>
             </a:fld>
             <a:endParaRPr lang="en-AU"/>
           </a:p>
@@ -3933,7 +4181,7 @@
           <a:p>
             <a:fld id="{1467BD4C-A8A4-480D-871A-1E422B8D82D4}" type="datetimeFigureOut">
               <a:rPr lang="en-AU" smtClean="0"/>
-              <a:t>10/02/2022</a:t>
+              <a:t>13/02/2022</a:t>
             </a:fld>
             <a:endParaRPr lang="en-AU"/>
           </a:p>
@@ -4051,7 +4299,7 @@
           <a:p>
             <a:fld id="{1467BD4C-A8A4-480D-871A-1E422B8D82D4}" type="datetimeFigureOut">
               <a:rPr lang="en-AU" smtClean="0"/>
-              <a:t>10/02/2022</a:t>
+              <a:t>13/02/2022</a:t>
             </a:fld>
             <a:endParaRPr lang="en-AU"/>
           </a:p>
@@ -4146,7 +4394,7 @@
           <a:p>
             <a:fld id="{1467BD4C-A8A4-480D-871A-1E422B8D82D4}" type="datetimeFigureOut">
               <a:rPr lang="en-AU" smtClean="0"/>
-              <a:t>10/02/2022</a:t>
+              <a:t>13/02/2022</a:t>
             </a:fld>
             <a:endParaRPr lang="en-AU"/>
           </a:p>
@@ -4429,7 +4677,7 @@
           <a:p>
             <a:fld id="{1467BD4C-A8A4-480D-871A-1E422B8D82D4}" type="datetimeFigureOut">
               <a:rPr lang="en-AU" smtClean="0"/>
-              <a:t>10/02/2022</a:t>
+              <a:t>13/02/2022</a:t>
             </a:fld>
             <a:endParaRPr lang="en-AU"/>
           </a:p>
@@ -4720,7 +4968,7 @@
           <a:p>
             <a:fld id="{1467BD4C-A8A4-480D-871A-1E422B8D82D4}" type="datetimeFigureOut">
               <a:rPr lang="en-AU" smtClean="0"/>
-              <a:t>10/02/2022</a:t>
+              <a:t>13/02/2022</a:t>
             </a:fld>
             <a:endParaRPr lang="en-AU"/>
           </a:p>
@@ -4951,7 +5199,7 @@
           <a:p>
             <a:fld id="{1467BD4C-A8A4-480D-871A-1E422B8D82D4}" type="datetimeFigureOut">
               <a:rPr lang="en-AU" smtClean="0"/>
-              <a:t>10/02/2022</a:t>
+              <a:t>13/02/2022</a:t>
             </a:fld>
             <a:endParaRPr lang="en-AU"/>
           </a:p>
@@ -5706,6 +5954,29 @@
 <file path=ppt/slides/slide1.xml><?xml version="1.0" encoding="utf-8"?>
 <p:sld xmlns:a="http://schemas.openxmlformats.org/drawingml/2006/main" xmlns:r="http://schemas.openxmlformats.org/officeDocument/2006/relationships" xmlns:p="http://schemas.openxmlformats.org/presentationml/2006/main">
   <p:cSld>
+    <p:bg>
+      <p:bgPr>
+        <a:blipFill rotWithShape="1">
+          <a:blip r:embed="rId2">
+            <a:duotone>
+              <a:schemeClr val="bg2">
+                <a:shade val="28000"/>
+                <a:satMod val="94000"/>
+                <a:lumMod val="20000"/>
+              </a:schemeClr>
+              <a:schemeClr val="bg2">
+                <a:tint val="94000"/>
+                <a:shade val="84000"/>
+                <a:satMod val="148000"/>
+                <a:lumMod val="114000"/>
+              </a:schemeClr>
+            </a:duotone>
+          </a:blip>
+          <a:stretch/>
+        </a:blipFill>
+        <a:effectLst/>
+      </p:bgPr>
+    </p:bg>
     <p:spTree>
       <p:nvGrpSpPr>
         <p:cNvPr id="1" name=""/>
@@ -5738,12 +6009,14 @@
         </p:nvSpPr>
         <p:spPr>
           <a:xfrm>
-            <a:off x="1757889" y="399012"/>
-            <a:ext cx="8676222" cy="842355"/>
+            <a:off x="5317066" y="609601"/>
+            <a:ext cx="6105900" cy="1669366"/>
           </a:xfrm>
         </p:spPr>
         <p:txBody>
-          <a:bodyPr/>
+          <a:bodyPr>
+            <a:normAutofit/>
+          </a:bodyPr>
           <a:lstStyle/>
           <a:p>
             <a:r>
@@ -5771,17 +6044,214 @@
         </p:nvSpPr>
         <p:spPr>
           <a:xfrm>
-            <a:off x="4012175" y="1241367"/>
-            <a:ext cx="4167650" cy="436418"/>
+            <a:off x="9452966" y="6343826"/>
+            <a:ext cx="3116517" cy="514174"/>
           </a:xfrm>
         </p:spPr>
         <p:txBody>
-          <a:bodyPr/>
+          <a:bodyPr>
+            <a:normAutofit/>
+          </a:bodyPr>
           <a:lstStyle/>
           <a:p>
             <a:r>
               <a:rPr lang="en-AU" dirty="0"/>
               <a:t>Thomas Lando</a:t>
+            </a:r>
+          </a:p>
+        </p:txBody>
+      </p:sp>
+      <p:sp>
+        <p:nvSpPr>
+          <p:cNvPr id="12" name="Rectangle 11">
+            <a:extLst>
+              <a:ext uri="{FF2B5EF4-FFF2-40B4-BE49-F238E27FC236}">
+                <a16:creationId xmlns:a16="http://schemas.microsoft.com/office/drawing/2014/main" id="{9D49B1F5-E95E-4D8F-9A06-39677A39B787}"/>
+              </a:ext>
+              <a:ext uri="{C183D7F6-B498-43B3-948B-1728B52AA6E4}">
+                <adec:decorative xmlns:adec="http://schemas.microsoft.com/office/drawing/2017/decorative" val="1"/>
+              </a:ext>
+            </a:extLst>
+          </p:cNvPr>
+          <p:cNvSpPr>
+            <a:spLocks noGrp="1" noRot="1" noChangeAspect="1" noMove="1" noResize="1" noEditPoints="1" noAdjustHandles="1" noChangeArrowheads="1" noChangeShapeType="1" noTextEdit="1"/>
+          </p:cNvSpPr>
+          <p:nvPr>
+            <p:extLst>
+              <p:ext uri="{386F3935-93C4-4BCD-93E2-E3B085C9AB24}">
+                <p16:designElem xmlns:p16="http://schemas.microsoft.com/office/powerpoint/2015/main" val="1"/>
+              </p:ext>
+            </p:extLst>
+          </p:nvPr>
+        </p:nvSpPr>
+        <p:spPr>
+          <a:xfrm>
+            <a:off x="277045" y="0"/>
+            <a:ext cx="4396706" cy="6858000"/>
+          </a:xfrm>
+          <a:prstGeom prst="rect">
+            <a:avLst/>
+          </a:prstGeom>
+          <a:solidFill>
+            <a:schemeClr val="tx1"/>
+          </a:solidFill>
+          <a:ln w="38100">
+            <a:gradFill flip="none" rotWithShape="1">
+              <a:gsLst>
+                <a:gs pos="0">
+                  <a:schemeClr val="bg2"/>
+                </a:gs>
+                <a:gs pos="100000">
+                  <a:schemeClr val="bg2">
+                    <a:lumMod val="75000"/>
+                  </a:schemeClr>
+                </a:gs>
+              </a:gsLst>
+              <a:lin ang="5400000" scaled="0"/>
+              <a:tileRect/>
+            </a:gradFill>
+          </a:ln>
+          <a:effectLst>
+            <a:innerShdw blurRad="57150" dist="38100" dir="10800000">
+              <a:srgbClr val="000000">
+                <a:alpha val="70000"/>
+              </a:srgbClr>
+            </a:innerShdw>
+          </a:effectLst>
+        </p:spPr>
+        <p:style>
+          <a:lnRef idx="2">
+            <a:schemeClr val="accent1">
+              <a:shade val="50000"/>
+            </a:schemeClr>
+          </a:lnRef>
+          <a:fillRef idx="1">
+            <a:schemeClr val="accent1"/>
+          </a:fillRef>
+          <a:effectRef idx="0">
+            <a:schemeClr val="accent1"/>
+          </a:effectRef>
+          <a:fontRef idx="minor">
+            <a:schemeClr val="lt1"/>
+          </a:fontRef>
+        </p:style>
+        <p:txBody>
+          <a:bodyPr rtlCol="0" anchor="ctr"/>
+          <a:lstStyle/>
+          <a:p>
+            <a:pPr algn="ctr"/>
+            <a:endParaRPr lang="en-US"/>
+          </a:p>
+        </p:txBody>
+      </p:sp>
+      <p:pic>
+        <p:nvPicPr>
+          <p:cNvPr id="5" name="Picture 4">
+            <a:extLst>
+              <a:ext uri="{FF2B5EF4-FFF2-40B4-BE49-F238E27FC236}">
+                <a16:creationId xmlns:a16="http://schemas.microsoft.com/office/drawing/2014/main" id="{B8C19298-AAF1-4170-85F8-739ECFFD05CD}"/>
+              </a:ext>
+            </a:extLst>
+          </p:cNvPr>
+          <p:cNvPicPr>
+            <a:picLocks noChangeAspect="1"/>
+          </p:cNvPicPr>
+          <p:nvPr/>
+        </p:nvPicPr>
+        <p:blipFill>
+          <a:blip r:embed="rId3"/>
+          <a:stretch>
+            <a:fillRect/>
+          </a:stretch>
+        </p:blipFill>
+        <p:spPr>
+          <a:xfrm>
+            <a:off x="1140514" y="341190"/>
+            <a:ext cx="2707423" cy="2926944"/>
+          </a:xfrm>
+          <a:prstGeom prst="rect">
+            <a:avLst/>
+          </a:prstGeom>
+        </p:spPr>
+      </p:pic>
+      <p:pic>
+        <p:nvPicPr>
+          <p:cNvPr id="7" name="Picture 6">
+            <a:extLst>
+              <a:ext uri="{FF2B5EF4-FFF2-40B4-BE49-F238E27FC236}">
+                <a16:creationId xmlns:a16="http://schemas.microsoft.com/office/drawing/2014/main" id="{5927428F-ACFD-4534-9DB4-2584A293F996}"/>
+              </a:ext>
+            </a:extLst>
+          </p:cNvPr>
+          <p:cNvPicPr>
+            <a:picLocks noChangeAspect="1"/>
+          </p:cNvPicPr>
+          <p:nvPr/>
+        </p:nvPicPr>
+        <p:blipFill>
+          <a:blip r:embed="rId4"/>
+          <a:stretch>
+            <a:fillRect/>
+          </a:stretch>
+        </p:blipFill>
+        <p:spPr>
+          <a:xfrm>
+            <a:off x="1330765" y="3609324"/>
+            <a:ext cx="2326920" cy="2926944"/>
+          </a:xfrm>
+          <a:prstGeom prst="rect">
+            <a:avLst/>
+          </a:prstGeom>
+        </p:spPr>
+      </p:pic>
+      <p:sp>
+        <p:nvSpPr>
+          <p:cNvPr id="8" name="TextBox 7">
+            <a:extLst>
+              <a:ext uri="{FF2B5EF4-FFF2-40B4-BE49-F238E27FC236}">
+                <a16:creationId xmlns:a16="http://schemas.microsoft.com/office/drawing/2014/main" id="{132145D0-49B1-4125-9802-C34BDAB5E5FF}"/>
+              </a:ext>
+            </a:extLst>
+          </p:cNvPr>
+          <p:cNvSpPr txBox="1"/>
+          <p:nvPr/>
+        </p:nvSpPr>
+        <p:spPr>
+          <a:xfrm>
+            <a:off x="5405315" y="2764957"/>
+            <a:ext cx="5929402" cy="3416320"/>
+          </a:xfrm>
+          <a:prstGeom prst="rect">
+            <a:avLst/>
+          </a:prstGeom>
+          <a:noFill/>
+        </p:spPr>
+        <p:txBody>
+          <a:bodyPr wrap="square" rtlCol="0">
+            <a:spAutoFit/>
+          </a:bodyPr>
+          <a:lstStyle/>
+          <a:p>
+            <a:r>
+              <a:rPr lang="en-AU" dirty="0"/>
+              <a:t>Initially designed as part of the EWB challenge, dubbed “Fresh Hands”. This is the 3</a:t>
+            </a:r>
+            <a:r>
+              <a:rPr lang="en-AU" baseline="30000" dirty="0"/>
+              <a:t>rd</a:t>
+            </a:r>
+            <a:r>
+              <a:rPr lang="en-AU" dirty="0"/>
+              <a:t> iteration of the design. This door handle requires the user to use the sanitiser dispenser in order to move the latch.  This ensures that all who pass through the door, have clean hands. </a:t>
+            </a:r>
+          </a:p>
+          <a:p>
+            <a:endParaRPr lang="en-AU" dirty="0"/>
+          </a:p>
+          <a:p>
+            <a:r>
+              <a:rPr lang="en-AU" dirty="0"/>
+              <a:t>Original focus was for use on toilet cubicles, however the principle idea has many more applications.  Early estimates for a compactly sized system require 2 refills of sanitiser pouches per day in a public toilet.</a:t>
             </a:r>
           </a:p>
         </p:txBody>
@@ -5818,33 +6288,355 @@
       </p:grpSpPr>
       <p:sp>
         <p:nvSpPr>
-          <p:cNvPr id="5" name="Subtitle 2">
+          <p:cNvPr id="8" name="TextBox 7">
             <a:extLst>
               <a:ext uri="{FF2B5EF4-FFF2-40B4-BE49-F238E27FC236}">
-                <a16:creationId xmlns:a16="http://schemas.microsoft.com/office/drawing/2014/main" id="{33B462F1-CFAE-45D0-9F50-1BAE130AC9CE}"/>
+                <a16:creationId xmlns:a16="http://schemas.microsoft.com/office/drawing/2014/main" id="{A893E374-B4D1-4F3B-AD3B-4C84BD708F50}"/>
               </a:ext>
             </a:extLst>
           </p:cNvPr>
-          <p:cNvSpPr txBox="1">
-            <a:spLocks/>
-          </p:cNvSpPr>
+          <p:cNvSpPr txBox="1"/>
           <p:nvPr/>
         </p:nvSpPr>
         <p:spPr>
           <a:xfrm>
-            <a:off x="4012175" y="360218"/>
-            <a:ext cx="4416930" cy="725978"/>
+            <a:off x="254157" y="6341083"/>
+            <a:ext cx="6096946" cy="369332"/>
+          </a:xfrm>
+          <a:prstGeom prst="rect">
+            <a:avLst/>
+          </a:prstGeom>
+          <a:noFill/>
+        </p:spPr>
+        <p:txBody>
+          <a:bodyPr wrap="square">
+            <a:spAutoFit/>
+          </a:bodyPr>
+          <a:lstStyle/>
+          <a:p>
+            <a:r>
+              <a:rPr lang="en-AU" dirty="0">
+                <a:hlinkClick r:id="rId2"/>
+              </a:rPr>
+              <a:t>https</a:t>
+            </a:r>
+            <a:r>
+              <a:rPr lang="en-AU" dirty="0"/>
+              <a:t>://github.com/thomas-lando-18/Rocket-Sim</a:t>
+            </a:r>
+          </a:p>
+        </p:txBody>
+      </p:sp>
+      <p:sp>
+        <p:nvSpPr>
+          <p:cNvPr id="9" name="TextBox 8">
+            <a:extLst>
+              <a:ext uri="{FF2B5EF4-FFF2-40B4-BE49-F238E27FC236}">
+                <a16:creationId xmlns:a16="http://schemas.microsoft.com/office/drawing/2014/main" id="{A20B8682-D45E-4768-8654-A1BBDACE7C88}"/>
+              </a:ext>
+            </a:extLst>
+          </p:cNvPr>
+          <p:cNvSpPr txBox="1"/>
+          <p:nvPr/>
+        </p:nvSpPr>
+        <p:spPr>
+          <a:xfrm>
+            <a:off x="513994" y="4280471"/>
+            <a:ext cx="5577271" cy="1754326"/>
+          </a:xfrm>
+          <a:prstGeom prst="rect">
+            <a:avLst/>
+          </a:prstGeom>
+          <a:noFill/>
+        </p:spPr>
+        <p:txBody>
+          <a:bodyPr wrap="square" rtlCol="0">
+            <a:spAutoFit/>
+          </a:bodyPr>
+          <a:lstStyle/>
+          <a:p>
+            <a:r>
+              <a:rPr lang="en-AU" dirty="0"/>
+              <a:t>Currently developing a Rocket Launch Simulator.  Eventual goal is to provide accurate and valuable data within a web app.  The latest version uses terminal commands in Python.  Visuals are still in progress.  The current Source code is available through the link below.</a:t>
+            </a:r>
+          </a:p>
+        </p:txBody>
+      </p:sp>
+      <p:sp>
+        <p:nvSpPr>
+          <p:cNvPr id="10" name="TextBox 9">
+            <a:extLst>
+              <a:ext uri="{FF2B5EF4-FFF2-40B4-BE49-F238E27FC236}">
+                <a16:creationId xmlns:a16="http://schemas.microsoft.com/office/drawing/2014/main" id="{8E172DD6-AB6B-4BAF-B155-303848097DF7}"/>
+              </a:ext>
+            </a:extLst>
+          </p:cNvPr>
+          <p:cNvSpPr txBox="1"/>
+          <p:nvPr/>
+        </p:nvSpPr>
+        <p:spPr>
+          <a:xfrm>
+            <a:off x="6241775" y="227181"/>
+            <a:ext cx="5906682" cy="1477328"/>
+          </a:xfrm>
+          <a:prstGeom prst="rect">
+            <a:avLst/>
+          </a:prstGeom>
+          <a:noFill/>
+        </p:spPr>
+        <p:txBody>
+          <a:bodyPr wrap="square" rtlCol="0">
+            <a:spAutoFit/>
+          </a:bodyPr>
+          <a:lstStyle/>
+          <a:p>
+            <a:r>
+              <a:rPr lang="en-AU" dirty="0"/>
+              <a:t>Have developed concepts for a medical app and device to allow doctors to reach patients without the need to be face to face.  Dubbed “My Second Opinion” and “My Telehealth Kit” these were created as a part of the EWB Big Design Challenge</a:t>
+            </a:r>
+          </a:p>
+        </p:txBody>
+      </p:sp>
+      <p:pic>
+        <p:nvPicPr>
+          <p:cNvPr id="11" name="Picture 10">
+            <a:extLst>
+              <a:ext uri="{FF2B5EF4-FFF2-40B4-BE49-F238E27FC236}">
+                <a16:creationId xmlns:a16="http://schemas.microsoft.com/office/drawing/2014/main" id="{316DB2DC-A31E-4A7E-83D3-93A71FE996A6}"/>
+              </a:ext>
+            </a:extLst>
+          </p:cNvPr>
+          <p:cNvPicPr>
+            <a:picLocks noChangeAspect="1"/>
+          </p:cNvPicPr>
+          <p:nvPr/>
+        </p:nvPicPr>
+        <p:blipFill>
+          <a:blip r:embed="rId3"/>
+          <a:stretch>
+            <a:fillRect/>
+          </a:stretch>
+        </p:blipFill>
+        <p:spPr>
+          <a:xfrm>
+            <a:off x="6748200" y="2885869"/>
+            <a:ext cx="2003914" cy="2271765"/>
           </a:xfrm>
           <a:prstGeom prst="rect">
             <a:avLst/>
           </a:prstGeom>
         </p:spPr>
+      </p:pic>
+      <p:pic>
+        <p:nvPicPr>
+          <p:cNvPr id="13" name="Picture 12">
+            <a:extLst>
+              <a:ext uri="{FF2B5EF4-FFF2-40B4-BE49-F238E27FC236}">
+                <a16:creationId xmlns:a16="http://schemas.microsoft.com/office/drawing/2014/main" id="{3F4694BF-954E-4E8B-87D6-7D47E3AAC1AD}"/>
+              </a:ext>
+            </a:extLst>
+          </p:cNvPr>
+          <p:cNvPicPr>
+            <a:picLocks noChangeAspect="1"/>
+          </p:cNvPicPr>
+          <p:nvPr/>
+        </p:nvPicPr>
+        <p:blipFill>
+          <a:blip r:embed="rId4"/>
+          <a:stretch>
+            <a:fillRect/>
+          </a:stretch>
+        </p:blipFill>
+        <p:spPr>
+          <a:xfrm>
+            <a:off x="9244357" y="2885869"/>
+            <a:ext cx="2607987" cy="2271765"/>
+          </a:xfrm>
+          <a:prstGeom prst="rect">
+            <a:avLst/>
+          </a:prstGeom>
+        </p:spPr>
+      </p:pic>
+      <p:pic>
+        <p:nvPicPr>
+          <p:cNvPr id="3" name="Picture 2" descr="Diagram&#10;&#10;Description automatically generated with medium confidence">
+            <a:extLst>
+              <a:ext uri="{FF2B5EF4-FFF2-40B4-BE49-F238E27FC236}">
+                <a16:creationId xmlns:a16="http://schemas.microsoft.com/office/drawing/2014/main" id="{B51CC2C7-AB4D-4493-B58C-23A6D1BC0E4D}"/>
+              </a:ext>
+            </a:extLst>
+          </p:cNvPr>
+          <p:cNvPicPr>
+            <a:picLocks noChangeAspect="1"/>
+          </p:cNvPicPr>
+          <p:nvPr/>
+        </p:nvPicPr>
+        <p:blipFill>
+          <a:blip r:embed="rId5">
+            <a:extLst>
+              <a:ext uri="{28A0092B-C50C-407E-A947-70E740481C1C}">
+                <a14:useLocalDpi xmlns:a14="http://schemas.microsoft.com/office/drawing/2010/main" val="0"/>
+              </a:ext>
+            </a:extLst>
+          </a:blip>
+          <a:stretch>
+            <a:fillRect/>
+          </a:stretch>
+        </p:blipFill>
+        <p:spPr>
+          <a:xfrm>
+            <a:off x="1205868" y="965845"/>
+            <a:ext cx="3411569" cy="2411827"/>
+          </a:xfrm>
+          <a:prstGeom prst="rect">
+            <a:avLst/>
+          </a:prstGeom>
+        </p:spPr>
+      </p:pic>
+    </p:spTree>
+    <p:extLst>
+      <p:ext uri="{BB962C8B-B14F-4D97-AF65-F5344CB8AC3E}">
+        <p14:creationId xmlns:p14="http://schemas.microsoft.com/office/powerpoint/2010/main" val="4180747790"/>
+      </p:ext>
+    </p:extLst>
+  </p:cSld>
+  <p:clrMapOvr>
+    <a:masterClrMapping/>
+  </p:clrMapOvr>
+</p:sld>
+</file>
+
+<file path=ppt/slides/slide3.xml><?xml version="1.0" encoding="utf-8"?>
+<p:sld xmlns:a="http://schemas.openxmlformats.org/drawingml/2006/main" xmlns:r="http://schemas.openxmlformats.org/officeDocument/2006/relationships" xmlns:p="http://schemas.openxmlformats.org/presentationml/2006/main">
+  <p:cSld>
+    <p:bg>
+      <p:bgPr>
+        <a:blipFill rotWithShape="1">
+          <a:blip r:embed="rId2">
+            <a:duotone>
+              <a:schemeClr val="bg2">
+                <a:shade val="28000"/>
+                <a:satMod val="94000"/>
+                <a:lumMod val="20000"/>
+              </a:schemeClr>
+              <a:schemeClr val="bg2">
+                <a:tint val="94000"/>
+                <a:shade val="84000"/>
+                <a:satMod val="148000"/>
+                <a:lumMod val="114000"/>
+              </a:schemeClr>
+            </a:duotone>
+          </a:blip>
+          <a:stretch/>
+        </a:blipFill>
+        <a:effectLst/>
+      </p:bgPr>
+    </p:bg>
+    <p:spTree>
+      <p:nvGrpSpPr>
+        <p:cNvPr id="1" name=""/>
+        <p:cNvGrpSpPr/>
+        <p:nvPr/>
+      </p:nvGrpSpPr>
+      <p:grpSpPr>
+        <a:xfrm>
+          <a:off x="0" y="0"/>
+          <a:ext cx="0" cy="0"/>
+          <a:chOff x="0" y="0"/>
+          <a:chExt cx="0" cy="0"/>
+        </a:xfrm>
+      </p:grpSpPr>
+      <p:sp useBgFill="1">
+        <p:nvSpPr>
+          <p:cNvPr id="19" name="Rectangle 18">
+            <a:extLst>
+              <a:ext uri="{FF2B5EF4-FFF2-40B4-BE49-F238E27FC236}">
+                <a16:creationId xmlns:a16="http://schemas.microsoft.com/office/drawing/2014/main" id="{17640DEC-97A2-496C-B454-5B165BB64ACD}"/>
+              </a:ext>
+              <a:ext uri="{C183D7F6-B498-43B3-948B-1728B52AA6E4}">
+                <adec:decorative xmlns:adec="http://schemas.microsoft.com/office/drawing/2017/decorative" val="1"/>
+              </a:ext>
+            </a:extLst>
+          </p:cNvPr>
+          <p:cNvSpPr>
+            <a:spLocks noGrp="1" noRot="1" noChangeAspect="1" noMove="1" noResize="1" noEditPoints="1" noAdjustHandles="1" noChangeArrowheads="1" noChangeShapeType="1" noTextEdit="1"/>
+          </p:cNvSpPr>
+          <p:nvPr>
+            <p:extLst>
+              <p:ext uri="{386F3935-93C4-4BCD-93E2-E3B085C9AB24}">
+                <p16:designElem xmlns:p16="http://schemas.microsoft.com/office/powerpoint/2015/main" val="1"/>
+              </p:ext>
+            </p:extLst>
+          </p:nvPr>
+        </p:nvSpPr>
+        <p:spPr>
+          <a:xfrm>
+            <a:off x="0" y="0"/>
+            <a:ext cx="12192000" cy="6858000"/>
+          </a:xfrm>
+          <a:prstGeom prst="rect">
+            <a:avLst/>
+          </a:prstGeom>
+          <a:ln>
+            <a:noFill/>
+          </a:ln>
+        </p:spPr>
+        <p:style>
+          <a:lnRef idx="2">
+            <a:schemeClr val="accent1">
+              <a:shade val="50000"/>
+            </a:schemeClr>
+          </a:lnRef>
+          <a:fillRef idx="1">
+            <a:schemeClr val="accent1"/>
+          </a:fillRef>
+          <a:effectRef idx="0">
+            <a:schemeClr val="accent1"/>
+          </a:effectRef>
+          <a:fontRef idx="minor">
+            <a:schemeClr val="lt1"/>
+          </a:fontRef>
+        </p:style>
+        <p:txBody>
+          <a:bodyPr rtlCol="0" anchor="ctr"/>
+          <a:lstStyle/>
+          <a:p>
+            <a:pPr algn="ctr"/>
+            <a:endParaRPr lang="en-US"/>
+          </a:p>
+        </p:txBody>
+      </p:sp>
+      <p:sp>
+        <p:nvSpPr>
+          <p:cNvPr id="2" name="TextBox 1">
+            <a:extLst>
+              <a:ext uri="{FF2B5EF4-FFF2-40B4-BE49-F238E27FC236}">
+                <a16:creationId xmlns:a16="http://schemas.microsoft.com/office/drawing/2014/main" id="{3E6C9E38-32BF-48AC-AA8B-ABD31901E5B9}"/>
+              </a:ext>
+            </a:extLst>
+          </p:cNvPr>
+          <p:cNvSpPr txBox="1"/>
+          <p:nvPr/>
+        </p:nvSpPr>
+        <p:spPr>
+          <a:xfrm>
+            <a:off x="4537923" y="609601"/>
+            <a:ext cx="6628583" cy="2362610"/>
+          </a:xfrm>
+          <a:prstGeom prst="rect">
+            <a:avLst/>
+          </a:prstGeom>
+        </p:spPr>
         <p:txBody>
           <a:bodyPr vert="horz" lIns="91440" tIns="45720" rIns="91440" bIns="45720" rtlCol="0" anchor="ctr">
             <a:normAutofit/>
           </a:bodyPr>
-          <a:lstStyle>
-            <a:lvl1pPr marL="285750" indent="-285750" algn="l" defTabSz="457200" rtl="0" eaLnBrk="1" latinLnBrk="0" hangingPunct="1">
+          <a:lstStyle/>
+          <a:p>
+            <a:pPr>
+              <a:lnSpc>
+                <a:spcPct val="90000"/>
+              </a:lnSpc>
               <a:spcBef>
                 <a:spcPct val="20000"/>
               </a:spcBef>
@@ -5857,7 +6649,9 @@
               <a:buSzPct val="100000"/>
               <a:buFont typeface="Arial"/>
               <a:buChar char="•"/>
-              <a:defRPr sz="2000" kern="1200" cap="small">
+            </a:pPr>
+            <a:r>
+              <a:rPr lang="en-US" cap="small" dirty="0">
                 <a:gradFill flip="none" rotWithShape="1">
                   <a:gsLst>
                     <a:gs pos="0">
@@ -5886,12 +6680,15 @@
                     </a:srgbClr>
                   </a:outerShdw>
                 </a:effectLst>
-                <a:latin typeface="+mn-lt"/>
-                <a:ea typeface="+mn-ea"/>
-                <a:cs typeface="+mn-cs"/>
-              </a:defRPr>
-            </a:lvl1pPr>
-            <a:lvl2pPr marL="742950" indent="-285750" algn="l" defTabSz="457200" rtl="0" eaLnBrk="1" latinLnBrk="0" hangingPunct="1">
+              </a:rPr>
+              <a:t>As a part of the USYD Rocketry team, I am involved in the development of a new design software package that should be ready within the next 3 to 6 months.  </a:t>
+            </a:r>
+          </a:p>
+          <a:p>
+            <a:pPr>
+              <a:lnSpc>
+                <a:spcPct val="90000"/>
+              </a:lnSpc>
               <a:spcBef>
                 <a:spcPct val="20000"/>
               </a:spcBef>
@@ -5904,7 +6701,58 @@
               <a:buSzPct val="100000"/>
               <a:buFont typeface="Arial"/>
               <a:buChar char="•"/>
-              <a:defRPr sz="1800" kern="1200" cap="small">
+            </a:pPr>
+            <a:endParaRPr lang="en-US" cap="small" dirty="0">
+              <a:gradFill flip="none" rotWithShape="1">
+                <a:gsLst>
+                  <a:gs pos="0">
+                    <a:schemeClr val="tx1"/>
+                  </a:gs>
+                  <a:gs pos="100000">
+                    <a:schemeClr val="tx1">
+                      <a:lumMod val="75000"/>
+                    </a:schemeClr>
+                  </a:gs>
+                </a:gsLst>
+                <a:lin ang="5580000" scaled="0"/>
+                <a:tileRect/>
+              </a:gradFill>
+              <a:effectLst>
+                <a:glow rad="38100">
+                  <a:schemeClr val="bg1">
+                    <a:lumMod val="50000"/>
+                    <a:lumOff val="50000"/>
+                    <a:alpha val="20000"/>
+                  </a:schemeClr>
+                </a:glow>
+                <a:outerShdw blurRad="44450" dist="12700" dir="13860000" algn="tl" rotWithShape="0">
+                  <a:srgbClr val="000000">
+                    <a:alpha val="20000"/>
+                  </a:srgbClr>
+                </a:outerShdw>
+              </a:effectLst>
+            </a:endParaRPr>
+          </a:p>
+          <a:p>
+            <a:pPr>
+              <a:lnSpc>
+                <a:spcPct val="90000"/>
+              </a:lnSpc>
+              <a:spcBef>
+                <a:spcPct val="20000"/>
+              </a:spcBef>
+              <a:spcAft>
+                <a:spcPts val="600"/>
+              </a:spcAft>
+              <a:buClr>
+                <a:schemeClr val="tx1"/>
+              </a:buClr>
+              <a:buSzPct val="100000"/>
+              <a:buFont typeface="Arial"/>
+              <a:buChar char="•"/>
+            </a:pPr>
+            <a:r>
+              <a:rPr lang="en-US" cap="small" dirty="0">
                 <a:gradFill flip="none" rotWithShape="1">
                   <a:gsLst>
                     <a:gs pos="0">
@@ -5933,849 +6781,205 @@
                     </a:srgbClr>
                   </a:outerShdw>
                 </a:effectLst>
-                <a:latin typeface="+mn-lt"/>
-                <a:ea typeface="+mn-ea"/>
-                <a:cs typeface="+mn-cs"/>
-              </a:defRPr>
-            </a:lvl2pPr>
-            <a:lvl3pPr marL="1200150" indent="-285750" algn="l" defTabSz="457200" rtl="0" eaLnBrk="1" latinLnBrk="0" hangingPunct="1">
-              <a:spcBef>
-                <a:spcPct val="20000"/>
-              </a:spcBef>
-              <a:spcAft>
-                <a:spcPts val="600"/>
-              </a:spcAft>
-              <a:buClr>
-                <a:schemeClr val="tx1"/>
-              </a:buClr>
-              <a:buSzPct val="100000"/>
-              <a:buFont typeface="Arial"/>
-              <a:buChar char="•"/>
-              <a:defRPr sz="1600" kern="1200" cap="small">
-                <a:gradFill flip="none" rotWithShape="1">
-                  <a:gsLst>
-                    <a:gs pos="0">
-                      <a:schemeClr val="tx1"/>
-                    </a:gs>
-                    <a:gs pos="100000">
-                      <a:schemeClr val="tx1">
-                        <a:lumMod val="75000"/>
-                      </a:schemeClr>
-                    </a:gs>
-                  </a:gsLst>
-                  <a:lin ang="5580000" scaled="0"/>
-                  <a:tileRect/>
-                </a:gradFill>
-                <a:effectLst>
-                  <a:glow rad="38100">
-                    <a:schemeClr val="bg1">
-                      <a:lumMod val="50000"/>
-                      <a:lumOff val="50000"/>
-                      <a:alpha val="20000"/>
-                    </a:schemeClr>
-                  </a:glow>
-                  <a:outerShdw blurRad="44450" dist="12700" dir="13860000" algn="tl" rotWithShape="0">
-                    <a:srgbClr val="000000">
-                      <a:alpha val="20000"/>
-                    </a:srgbClr>
-                  </a:outerShdw>
-                </a:effectLst>
-                <a:latin typeface="+mn-lt"/>
-                <a:ea typeface="+mn-ea"/>
-                <a:cs typeface="+mn-cs"/>
-              </a:defRPr>
-            </a:lvl3pPr>
-            <a:lvl4pPr marL="1543050" indent="-171450" algn="l" defTabSz="457200" rtl="0" eaLnBrk="1" latinLnBrk="0" hangingPunct="1">
-              <a:spcBef>
-                <a:spcPct val="20000"/>
-              </a:spcBef>
-              <a:spcAft>
-                <a:spcPts val="600"/>
-              </a:spcAft>
-              <a:buClr>
-                <a:schemeClr val="tx1"/>
-              </a:buClr>
-              <a:buSzPct val="100000"/>
-              <a:buFont typeface="Arial"/>
-              <a:buChar char="•"/>
-              <a:defRPr sz="1400" kern="1200" cap="small">
-                <a:gradFill flip="none" rotWithShape="1">
-                  <a:gsLst>
-                    <a:gs pos="0">
-                      <a:schemeClr val="tx1"/>
-                    </a:gs>
-                    <a:gs pos="100000">
-                      <a:schemeClr val="tx1">
-                        <a:lumMod val="75000"/>
-                      </a:schemeClr>
-                    </a:gs>
-                  </a:gsLst>
-                  <a:lin ang="5580000" scaled="0"/>
-                  <a:tileRect/>
-                </a:gradFill>
-                <a:effectLst>
-                  <a:glow rad="38100">
-                    <a:schemeClr val="bg1">
-                      <a:lumMod val="50000"/>
-                      <a:lumOff val="50000"/>
-                      <a:alpha val="20000"/>
-                    </a:schemeClr>
-                  </a:glow>
-                  <a:outerShdw blurRad="44450" dist="12700" dir="13860000" algn="tl" rotWithShape="0">
-                    <a:srgbClr val="000000">
-                      <a:alpha val="20000"/>
-                    </a:srgbClr>
-                  </a:outerShdw>
-                </a:effectLst>
-                <a:latin typeface="+mn-lt"/>
-                <a:ea typeface="+mn-ea"/>
-                <a:cs typeface="+mn-cs"/>
-              </a:defRPr>
-            </a:lvl4pPr>
-            <a:lvl5pPr marL="2000250" indent="-171450" algn="l" defTabSz="457200" rtl="0" eaLnBrk="1" latinLnBrk="0" hangingPunct="1">
-              <a:spcBef>
-                <a:spcPct val="20000"/>
-              </a:spcBef>
-              <a:spcAft>
-                <a:spcPts val="600"/>
-              </a:spcAft>
-              <a:buClr>
-                <a:schemeClr val="tx1"/>
-              </a:buClr>
-              <a:buSzPct val="100000"/>
-              <a:buFont typeface="Arial"/>
-              <a:buChar char="•"/>
-              <a:defRPr sz="1400" kern="1200" cap="small">
-                <a:gradFill flip="none" rotWithShape="1">
-                  <a:gsLst>
-                    <a:gs pos="0">
-                      <a:schemeClr val="tx1"/>
-                    </a:gs>
-                    <a:gs pos="100000">
-                      <a:schemeClr val="tx1">
-                        <a:lumMod val="75000"/>
-                      </a:schemeClr>
-                    </a:gs>
-                  </a:gsLst>
-                  <a:lin ang="5580000" scaled="0"/>
-                  <a:tileRect/>
-                </a:gradFill>
-                <a:effectLst>
-                  <a:glow rad="38100">
-                    <a:schemeClr val="bg1">
-                      <a:lumMod val="50000"/>
-                      <a:lumOff val="50000"/>
-                      <a:alpha val="20000"/>
-                    </a:schemeClr>
-                  </a:glow>
-                  <a:outerShdw blurRad="44450" dist="12700" dir="13860000" algn="tl" rotWithShape="0">
-                    <a:srgbClr val="000000">
-                      <a:alpha val="20000"/>
-                    </a:srgbClr>
-                  </a:outerShdw>
-                </a:effectLst>
-                <a:latin typeface="+mn-lt"/>
-                <a:ea typeface="+mn-ea"/>
-                <a:cs typeface="+mn-cs"/>
-              </a:defRPr>
-            </a:lvl5pPr>
-            <a:lvl6pPr marL="2514600" indent="-228600" algn="l" defTabSz="457200" rtl="0" eaLnBrk="1" latinLnBrk="0" hangingPunct="1">
-              <a:spcBef>
-                <a:spcPct val="20000"/>
-              </a:spcBef>
-              <a:spcAft>
-                <a:spcPts val="600"/>
-              </a:spcAft>
-              <a:buClr>
-                <a:schemeClr val="tx1"/>
-              </a:buClr>
-              <a:buSzPct val="100000"/>
-              <a:buFont typeface="Arial"/>
-              <a:buChar char="•"/>
-              <a:defRPr sz="1200" kern="1200" cap="small">
-                <a:gradFill flip="none" rotWithShape="1">
-                  <a:gsLst>
-                    <a:gs pos="0">
-                      <a:schemeClr val="tx1"/>
-                    </a:gs>
-                    <a:gs pos="100000">
-                      <a:schemeClr val="tx1">
-                        <a:lumMod val="75000"/>
-                      </a:schemeClr>
-                    </a:gs>
-                  </a:gsLst>
-                  <a:lin ang="5580000" scaled="0"/>
-                  <a:tileRect/>
-                </a:gradFill>
-                <a:effectLst>
-                  <a:glow rad="38100">
-                    <a:schemeClr val="bg1">
-                      <a:lumMod val="50000"/>
-                      <a:lumOff val="50000"/>
-                      <a:alpha val="20000"/>
-                    </a:schemeClr>
-                  </a:glow>
-                  <a:outerShdw blurRad="44450" dist="12700" dir="13860000" algn="tl" rotWithShape="0">
-                    <a:srgbClr val="000000">
-                      <a:alpha val="20000"/>
-                    </a:srgbClr>
-                  </a:outerShdw>
-                </a:effectLst>
-                <a:latin typeface="+mn-lt"/>
-                <a:ea typeface="+mn-ea"/>
-                <a:cs typeface="+mn-cs"/>
-              </a:defRPr>
-            </a:lvl6pPr>
-            <a:lvl7pPr marL="2971800" indent="-228600" algn="l" defTabSz="457200" rtl="0" eaLnBrk="1" latinLnBrk="0" hangingPunct="1">
-              <a:spcBef>
-                <a:spcPct val="20000"/>
-              </a:spcBef>
-              <a:spcAft>
-                <a:spcPts val="600"/>
-              </a:spcAft>
-              <a:buClr>
-                <a:schemeClr val="tx1"/>
-              </a:buClr>
-              <a:buSzPct val="100000"/>
-              <a:buFont typeface="Arial"/>
-              <a:buChar char="•"/>
-              <a:defRPr sz="1200" kern="1200" cap="small">
-                <a:gradFill flip="none" rotWithShape="1">
-                  <a:gsLst>
-                    <a:gs pos="0">
-                      <a:schemeClr val="tx1"/>
-                    </a:gs>
-                    <a:gs pos="100000">
-                      <a:schemeClr val="tx1">
-                        <a:lumMod val="75000"/>
-                      </a:schemeClr>
-                    </a:gs>
-                  </a:gsLst>
-                  <a:lin ang="5580000" scaled="0"/>
-                  <a:tileRect/>
-                </a:gradFill>
-                <a:effectLst>
-                  <a:glow rad="38100">
-                    <a:schemeClr val="bg1">
-                      <a:lumMod val="50000"/>
-                      <a:lumOff val="50000"/>
-                      <a:alpha val="20000"/>
-                    </a:schemeClr>
-                  </a:glow>
-                  <a:outerShdw blurRad="44450" dist="12700" dir="13860000" algn="tl" rotWithShape="0">
-                    <a:srgbClr val="000000">
-                      <a:alpha val="20000"/>
-                    </a:srgbClr>
-                  </a:outerShdw>
-                </a:effectLst>
-                <a:latin typeface="+mn-lt"/>
-                <a:ea typeface="+mn-ea"/>
-                <a:cs typeface="+mn-cs"/>
-              </a:defRPr>
-            </a:lvl7pPr>
-            <a:lvl8pPr marL="3429000" indent="-228600" algn="l" defTabSz="457200" rtl="0" eaLnBrk="1" latinLnBrk="0" hangingPunct="1">
-              <a:spcBef>
-                <a:spcPct val="20000"/>
-              </a:spcBef>
-              <a:spcAft>
-                <a:spcPts val="600"/>
-              </a:spcAft>
-              <a:buClr>
-                <a:schemeClr val="tx1"/>
-              </a:buClr>
-              <a:buSzPct val="100000"/>
-              <a:buFont typeface="Arial"/>
-              <a:buChar char="•"/>
-              <a:defRPr sz="1200" kern="1200" cap="small">
-                <a:gradFill flip="none" rotWithShape="1">
-                  <a:gsLst>
-                    <a:gs pos="0">
-                      <a:schemeClr val="tx1"/>
-                    </a:gs>
-                    <a:gs pos="100000">
-                      <a:schemeClr val="tx1">
-                        <a:lumMod val="75000"/>
-                      </a:schemeClr>
-                    </a:gs>
-                  </a:gsLst>
-                  <a:lin ang="5580000" scaled="0"/>
-                  <a:tileRect/>
-                </a:gradFill>
-                <a:effectLst>
-                  <a:glow rad="38100">
-                    <a:schemeClr val="bg1">
-                      <a:lumMod val="50000"/>
-                      <a:lumOff val="50000"/>
-                      <a:alpha val="20000"/>
-                    </a:schemeClr>
-                  </a:glow>
-                  <a:outerShdw blurRad="44450" dist="12700" dir="13860000" algn="tl" rotWithShape="0">
-                    <a:srgbClr val="000000">
-                      <a:alpha val="20000"/>
-                    </a:srgbClr>
-                  </a:outerShdw>
-                </a:effectLst>
-                <a:latin typeface="+mn-lt"/>
-                <a:ea typeface="+mn-ea"/>
-                <a:cs typeface="+mn-cs"/>
-              </a:defRPr>
-            </a:lvl8pPr>
-            <a:lvl9pPr marL="3886200" indent="-228600" algn="l" defTabSz="457200" rtl="0" eaLnBrk="1" latinLnBrk="0" hangingPunct="1">
-              <a:spcBef>
-                <a:spcPct val="20000"/>
-              </a:spcBef>
-              <a:spcAft>
-                <a:spcPts val="600"/>
-              </a:spcAft>
-              <a:buClr>
-                <a:schemeClr val="tx1"/>
-              </a:buClr>
-              <a:buSzPct val="100000"/>
-              <a:buFont typeface="Arial"/>
-              <a:buChar char="•"/>
-              <a:defRPr sz="1200" kern="1200" cap="small">
-                <a:gradFill flip="none" rotWithShape="1">
-                  <a:gsLst>
-                    <a:gs pos="0">
-                      <a:schemeClr val="tx1"/>
-                    </a:gs>
-                    <a:gs pos="100000">
-                      <a:schemeClr val="tx1">
-                        <a:lumMod val="75000"/>
-                      </a:schemeClr>
-                    </a:gs>
-                  </a:gsLst>
-                  <a:lin ang="5580000" scaled="0"/>
-                  <a:tileRect/>
-                </a:gradFill>
-                <a:effectLst>
-                  <a:glow rad="38100">
-                    <a:schemeClr val="bg1">
-                      <a:lumMod val="50000"/>
-                      <a:lumOff val="50000"/>
-                      <a:alpha val="20000"/>
-                    </a:schemeClr>
-                  </a:glow>
-                  <a:outerShdw blurRad="44450" dist="12700" dir="13860000" algn="tl" rotWithShape="0">
-                    <a:srgbClr val="000000">
-                      <a:alpha val="20000"/>
-                    </a:srgbClr>
-                  </a:outerShdw>
-                </a:effectLst>
-                <a:latin typeface="+mn-lt"/>
-                <a:ea typeface="+mn-ea"/>
-                <a:cs typeface="+mn-cs"/>
-              </a:defRPr>
-            </a:lvl9pPr>
-          </a:lstStyle>
-          <a:p>
-            <a:pPr marL="0" indent="0" algn="ctr">
-              <a:buNone/>
-            </a:pPr>
-            <a:r>
-              <a:rPr lang="en-AU" sz="2800" dirty="0"/>
-              <a:t>Personal Projects</a:t>
-            </a:r>
-          </a:p>
-        </p:txBody>
-      </p:sp>
-    </p:spTree>
-    <p:extLst>
-      <p:ext uri="{BB962C8B-B14F-4D97-AF65-F5344CB8AC3E}">
-        <p14:creationId xmlns:p14="http://schemas.microsoft.com/office/powerpoint/2010/main" val="4180747790"/>
-      </p:ext>
-    </p:extLst>
-  </p:cSld>
-  <p:clrMapOvr>
-    <a:masterClrMapping/>
-  </p:clrMapOvr>
-</p:sld>
-</file>
-
-<file path=ppt/slides/slide3.xml><?xml version="1.0" encoding="utf-8"?>
-<p:sld xmlns:a="http://schemas.openxmlformats.org/drawingml/2006/main" xmlns:r="http://schemas.openxmlformats.org/officeDocument/2006/relationships" xmlns:p="http://schemas.openxmlformats.org/presentationml/2006/main">
-  <p:cSld>
-    <p:spTree>
-      <p:nvGrpSpPr>
-        <p:cNvPr id="1" name=""/>
-        <p:cNvGrpSpPr/>
-        <p:nvPr/>
-      </p:nvGrpSpPr>
-      <p:grpSpPr>
-        <a:xfrm>
-          <a:off x="0" y="0"/>
-          <a:ext cx="0" cy="0"/>
-          <a:chOff x="0" y="0"/>
-          <a:chExt cx="0" cy="0"/>
-        </a:xfrm>
-      </p:grpSpPr>
-      <p:sp>
-        <p:nvSpPr>
-          <p:cNvPr id="5" name="Subtitle 2">
+              </a:rPr>
+              <a:t>My section involves automating the flutter speed analysis of the rocket fins using python and MSC Nastran.  Unfortunately, I don’t have permission to share code.  However, the code generates the following plots.</a:t>
+            </a:r>
+          </a:p>
+        </p:txBody>
+      </p:sp>
+      <p:pic>
+        <p:nvPicPr>
+          <p:cNvPr id="4" name="Picture 3" descr="Chart, line chart&#10;&#10;Description automatically generated">
             <a:extLst>
               <a:ext uri="{FF2B5EF4-FFF2-40B4-BE49-F238E27FC236}">
-                <a16:creationId xmlns:a16="http://schemas.microsoft.com/office/drawing/2014/main" id="{B368E3F2-8FEA-4007-8CAD-31C0A5098D38}"/>
+                <a16:creationId xmlns:a16="http://schemas.microsoft.com/office/drawing/2014/main" id="{849CEC0A-EB51-435D-8433-2F8388025555}"/>
               </a:ext>
             </a:extLst>
           </p:cNvPr>
-          <p:cNvSpPr txBox="1">
-            <a:spLocks/>
-          </p:cNvSpPr>
+          <p:cNvPicPr>
+            <a:picLocks noChangeAspect="1"/>
+          </p:cNvPicPr>
           <p:nvPr/>
-        </p:nvSpPr>
+        </p:nvPicPr>
+        <p:blipFill>
+          <a:blip r:embed="rId3">
+            <a:extLst>
+              <a:ext uri="{28A0092B-C50C-407E-A947-70E740481C1C}">
+                <a14:useLocalDpi xmlns:a14="http://schemas.microsoft.com/office/drawing/2010/main" val="0"/>
+              </a:ext>
+            </a:extLst>
+          </a:blip>
+          <a:stretch>
+            <a:fillRect/>
+          </a:stretch>
+        </p:blipFill>
         <p:spPr>
           <a:xfrm>
-            <a:off x="4012175" y="360218"/>
-            <a:ext cx="4416930" cy="725978"/>
+            <a:off x="1065212" y="3450573"/>
+            <a:ext cx="3108960" cy="2331719"/>
           </a:xfrm>
           <a:prstGeom prst="rect">
             <a:avLst/>
           </a:prstGeom>
         </p:spPr>
-        <p:txBody>
-          <a:bodyPr vert="horz" lIns="91440" tIns="45720" rIns="91440" bIns="45720" rtlCol="0" anchor="ctr">
-            <a:normAutofit/>
-          </a:bodyPr>
-          <a:lstStyle>
-            <a:lvl1pPr marL="285750" indent="-285750" algn="l" defTabSz="457200" rtl="0" eaLnBrk="1" latinLnBrk="0" hangingPunct="1">
-              <a:spcBef>
-                <a:spcPct val="20000"/>
-              </a:spcBef>
-              <a:spcAft>
-                <a:spcPts val="600"/>
-              </a:spcAft>
-              <a:buClr>
-                <a:schemeClr val="tx1"/>
-              </a:buClr>
-              <a:buSzPct val="100000"/>
-              <a:buFont typeface="Arial"/>
-              <a:buChar char="•"/>
-              <a:defRPr sz="2000" kern="1200" cap="small">
-                <a:gradFill flip="none" rotWithShape="1">
-                  <a:gsLst>
-                    <a:gs pos="0">
-                      <a:schemeClr val="tx1"/>
-                    </a:gs>
-                    <a:gs pos="100000">
-                      <a:schemeClr val="tx1">
-                        <a:lumMod val="75000"/>
-                      </a:schemeClr>
-                    </a:gs>
-                  </a:gsLst>
-                  <a:lin ang="5580000" scaled="0"/>
-                  <a:tileRect/>
-                </a:gradFill>
-                <a:effectLst>
-                  <a:glow rad="38100">
-                    <a:schemeClr val="bg1">
-                      <a:lumMod val="50000"/>
-                      <a:lumOff val="50000"/>
-                      <a:alpha val="20000"/>
-                    </a:schemeClr>
-                  </a:glow>
-                  <a:outerShdw blurRad="44450" dist="12700" dir="13860000" algn="tl" rotWithShape="0">
-                    <a:srgbClr val="000000">
-                      <a:alpha val="20000"/>
-                    </a:srgbClr>
-                  </a:outerShdw>
-                </a:effectLst>
-                <a:latin typeface="+mn-lt"/>
-                <a:ea typeface="+mn-ea"/>
-                <a:cs typeface="+mn-cs"/>
-              </a:defRPr>
-            </a:lvl1pPr>
-            <a:lvl2pPr marL="742950" indent="-285750" algn="l" defTabSz="457200" rtl="0" eaLnBrk="1" latinLnBrk="0" hangingPunct="1">
-              <a:spcBef>
-                <a:spcPct val="20000"/>
-              </a:spcBef>
-              <a:spcAft>
-                <a:spcPts val="600"/>
-              </a:spcAft>
-              <a:buClr>
-                <a:schemeClr val="tx1"/>
-              </a:buClr>
-              <a:buSzPct val="100000"/>
-              <a:buFont typeface="Arial"/>
-              <a:buChar char="•"/>
-              <a:defRPr sz="1800" kern="1200" cap="small">
-                <a:gradFill flip="none" rotWithShape="1">
-                  <a:gsLst>
-                    <a:gs pos="0">
-                      <a:schemeClr val="tx1"/>
-                    </a:gs>
-                    <a:gs pos="100000">
-                      <a:schemeClr val="tx1">
-                        <a:lumMod val="75000"/>
-                      </a:schemeClr>
-                    </a:gs>
-                  </a:gsLst>
-                  <a:lin ang="5580000" scaled="0"/>
-                  <a:tileRect/>
-                </a:gradFill>
-                <a:effectLst>
-                  <a:glow rad="38100">
-                    <a:schemeClr val="bg1">
-                      <a:lumMod val="50000"/>
-                      <a:lumOff val="50000"/>
-                      <a:alpha val="20000"/>
-                    </a:schemeClr>
-                  </a:glow>
-                  <a:outerShdw blurRad="44450" dist="12700" dir="13860000" algn="tl" rotWithShape="0">
-                    <a:srgbClr val="000000">
-                      <a:alpha val="20000"/>
-                    </a:srgbClr>
-                  </a:outerShdw>
-                </a:effectLst>
-                <a:latin typeface="+mn-lt"/>
-                <a:ea typeface="+mn-ea"/>
-                <a:cs typeface="+mn-cs"/>
-              </a:defRPr>
-            </a:lvl2pPr>
-            <a:lvl3pPr marL="1200150" indent="-285750" algn="l" defTabSz="457200" rtl="0" eaLnBrk="1" latinLnBrk="0" hangingPunct="1">
-              <a:spcBef>
-                <a:spcPct val="20000"/>
-              </a:spcBef>
-              <a:spcAft>
-                <a:spcPts val="600"/>
-              </a:spcAft>
-              <a:buClr>
-                <a:schemeClr val="tx1"/>
-              </a:buClr>
-              <a:buSzPct val="100000"/>
-              <a:buFont typeface="Arial"/>
-              <a:buChar char="•"/>
-              <a:defRPr sz="1600" kern="1200" cap="small">
-                <a:gradFill flip="none" rotWithShape="1">
-                  <a:gsLst>
-                    <a:gs pos="0">
-                      <a:schemeClr val="tx1"/>
-                    </a:gs>
-                    <a:gs pos="100000">
-                      <a:schemeClr val="tx1">
-                        <a:lumMod val="75000"/>
-                      </a:schemeClr>
-                    </a:gs>
-                  </a:gsLst>
-                  <a:lin ang="5580000" scaled="0"/>
-                  <a:tileRect/>
-                </a:gradFill>
-                <a:effectLst>
-                  <a:glow rad="38100">
-                    <a:schemeClr val="bg1">
-                      <a:lumMod val="50000"/>
-                      <a:lumOff val="50000"/>
-                      <a:alpha val="20000"/>
-                    </a:schemeClr>
-                  </a:glow>
-                  <a:outerShdw blurRad="44450" dist="12700" dir="13860000" algn="tl" rotWithShape="0">
-                    <a:srgbClr val="000000">
-                      <a:alpha val="20000"/>
-                    </a:srgbClr>
-                  </a:outerShdw>
-                </a:effectLst>
-                <a:latin typeface="+mn-lt"/>
-                <a:ea typeface="+mn-ea"/>
-                <a:cs typeface="+mn-cs"/>
-              </a:defRPr>
-            </a:lvl3pPr>
-            <a:lvl4pPr marL="1543050" indent="-171450" algn="l" defTabSz="457200" rtl="0" eaLnBrk="1" latinLnBrk="0" hangingPunct="1">
-              <a:spcBef>
-                <a:spcPct val="20000"/>
-              </a:spcBef>
-              <a:spcAft>
-                <a:spcPts val="600"/>
-              </a:spcAft>
-              <a:buClr>
-                <a:schemeClr val="tx1"/>
-              </a:buClr>
-              <a:buSzPct val="100000"/>
-              <a:buFont typeface="Arial"/>
-              <a:buChar char="•"/>
-              <a:defRPr sz="1400" kern="1200" cap="small">
-                <a:gradFill flip="none" rotWithShape="1">
-                  <a:gsLst>
-                    <a:gs pos="0">
-                      <a:schemeClr val="tx1"/>
-                    </a:gs>
-                    <a:gs pos="100000">
-                      <a:schemeClr val="tx1">
-                        <a:lumMod val="75000"/>
-                      </a:schemeClr>
-                    </a:gs>
-                  </a:gsLst>
-                  <a:lin ang="5580000" scaled="0"/>
-                  <a:tileRect/>
-                </a:gradFill>
-                <a:effectLst>
-                  <a:glow rad="38100">
-                    <a:schemeClr val="bg1">
-                      <a:lumMod val="50000"/>
-                      <a:lumOff val="50000"/>
-                      <a:alpha val="20000"/>
-                    </a:schemeClr>
-                  </a:glow>
-                  <a:outerShdw blurRad="44450" dist="12700" dir="13860000" algn="tl" rotWithShape="0">
-                    <a:srgbClr val="000000">
-                      <a:alpha val="20000"/>
-                    </a:srgbClr>
-                  </a:outerShdw>
-                </a:effectLst>
-                <a:latin typeface="+mn-lt"/>
-                <a:ea typeface="+mn-ea"/>
-                <a:cs typeface="+mn-cs"/>
-              </a:defRPr>
-            </a:lvl4pPr>
-            <a:lvl5pPr marL="2000250" indent="-171450" algn="l" defTabSz="457200" rtl="0" eaLnBrk="1" latinLnBrk="0" hangingPunct="1">
-              <a:spcBef>
-                <a:spcPct val="20000"/>
-              </a:spcBef>
-              <a:spcAft>
-                <a:spcPts val="600"/>
-              </a:spcAft>
-              <a:buClr>
-                <a:schemeClr val="tx1"/>
-              </a:buClr>
-              <a:buSzPct val="100000"/>
-              <a:buFont typeface="Arial"/>
-              <a:buChar char="•"/>
-              <a:defRPr sz="1400" kern="1200" cap="small">
-                <a:gradFill flip="none" rotWithShape="1">
-                  <a:gsLst>
-                    <a:gs pos="0">
-                      <a:schemeClr val="tx1"/>
-                    </a:gs>
-                    <a:gs pos="100000">
-                      <a:schemeClr val="tx1">
-                        <a:lumMod val="75000"/>
-                      </a:schemeClr>
-                    </a:gs>
-                  </a:gsLst>
-                  <a:lin ang="5580000" scaled="0"/>
-                  <a:tileRect/>
-                </a:gradFill>
-                <a:effectLst>
-                  <a:glow rad="38100">
-                    <a:schemeClr val="bg1">
-                      <a:lumMod val="50000"/>
-                      <a:lumOff val="50000"/>
-                      <a:alpha val="20000"/>
-                    </a:schemeClr>
-                  </a:glow>
-                  <a:outerShdw blurRad="44450" dist="12700" dir="13860000" algn="tl" rotWithShape="0">
-                    <a:srgbClr val="000000">
-                      <a:alpha val="20000"/>
-                    </a:srgbClr>
-                  </a:outerShdw>
-                </a:effectLst>
-                <a:latin typeface="+mn-lt"/>
-                <a:ea typeface="+mn-ea"/>
-                <a:cs typeface="+mn-cs"/>
-              </a:defRPr>
-            </a:lvl5pPr>
-            <a:lvl6pPr marL="2514600" indent="-228600" algn="l" defTabSz="457200" rtl="0" eaLnBrk="1" latinLnBrk="0" hangingPunct="1">
-              <a:spcBef>
-                <a:spcPct val="20000"/>
-              </a:spcBef>
-              <a:spcAft>
-                <a:spcPts val="600"/>
-              </a:spcAft>
-              <a:buClr>
-                <a:schemeClr val="tx1"/>
-              </a:buClr>
-              <a:buSzPct val="100000"/>
-              <a:buFont typeface="Arial"/>
-              <a:buChar char="•"/>
-              <a:defRPr sz="1200" kern="1200" cap="small">
-                <a:gradFill flip="none" rotWithShape="1">
-                  <a:gsLst>
-                    <a:gs pos="0">
-                      <a:schemeClr val="tx1"/>
-                    </a:gs>
-                    <a:gs pos="100000">
-                      <a:schemeClr val="tx1">
-                        <a:lumMod val="75000"/>
-                      </a:schemeClr>
-                    </a:gs>
-                  </a:gsLst>
-                  <a:lin ang="5580000" scaled="0"/>
-                  <a:tileRect/>
-                </a:gradFill>
-                <a:effectLst>
-                  <a:glow rad="38100">
-                    <a:schemeClr val="bg1">
-                      <a:lumMod val="50000"/>
-                      <a:lumOff val="50000"/>
-                      <a:alpha val="20000"/>
-                    </a:schemeClr>
-                  </a:glow>
-                  <a:outerShdw blurRad="44450" dist="12700" dir="13860000" algn="tl" rotWithShape="0">
-                    <a:srgbClr val="000000">
-                      <a:alpha val="20000"/>
-                    </a:srgbClr>
-                  </a:outerShdw>
-                </a:effectLst>
-                <a:latin typeface="+mn-lt"/>
-                <a:ea typeface="+mn-ea"/>
-                <a:cs typeface="+mn-cs"/>
-              </a:defRPr>
-            </a:lvl6pPr>
-            <a:lvl7pPr marL="2971800" indent="-228600" algn="l" defTabSz="457200" rtl="0" eaLnBrk="1" latinLnBrk="0" hangingPunct="1">
-              <a:spcBef>
-                <a:spcPct val="20000"/>
-              </a:spcBef>
-              <a:spcAft>
-                <a:spcPts val="600"/>
-              </a:spcAft>
-              <a:buClr>
-                <a:schemeClr val="tx1"/>
-              </a:buClr>
-              <a:buSzPct val="100000"/>
-              <a:buFont typeface="Arial"/>
-              <a:buChar char="•"/>
-              <a:defRPr sz="1200" kern="1200" cap="small">
-                <a:gradFill flip="none" rotWithShape="1">
-                  <a:gsLst>
-                    <a:gs pos="0">
-                      <a:schemeClr val="tx1"/>
-                    </a:gs>
-                    <a:gs pos="100000">
-                      <a:schemeClr val="tx1">
-                        <a:lumMod val="75000"/>
-                      </a:schemeClr>
-                    </a:gs>
-                  </a:gsLst>
-                  <a:lin ang="5580000" scaled="0"/>
-                  <a:tileRect/>
-                </a:gradFill>
-                <a:effectLst>
-                  <a:glow rad="38100">
-                    <a:schemeClr val="bg1">
-                      <a:lumMod val="50000"/>
-                      <a:lumOff val="50000"/>
-                      <a:alpha val="20000"/>
-                    </a:schemeClr>
-                  </a:glow>
-                  <a:outerShdw blurRad="44450" dist="12700" dir="13860000" algn="tl" rotWithShape="0">
-                    <a:srgbClr val="000000">
-                      <a:alpha val="20000"/>
-                    </a:srgbClr>
-                  </a:outerShdw>
-                </a:effectLst>
-                <a:latin typeface="+mn-lt"/>
-                <a:ea typeface="+mn-ea"/>
-                <a:cs typeface="+mn-cs"/>
-              </a:defRPr>
-            </a:lvl7pPr>
-            <a:lvl8pPr marL="3429000" indent="-228600" algn="l" defTabSz="457200" rtl="0" eaLnBrk="1" latinLnBrk="0" hangingPunct="1">
-              <a:spcBef>
-                <a:spcPct val="20000"/>
-              </a:spcBef>
-              <a:spcAft>
-                <a:spcPts val="600"/>
-              </a:spcAft>
-              <a:buClr>
-                <a:schemeClr val="tx1"/>
-              </a:buClr>
-              <a:buSzPct val="100000"/>
-              <a:buFont typeface="Arial"/>
-              <a:buChar char="•"/>
-              <a:defRPr sz="1200" kern="1200" cap="small">
-                <a:gradFill flip="none" rotWithShape="1">
-                  <a:gsLst>
-                    <a:gs pos="0">
-                      <a:schemeClr val="tx1"/>
-                    </a:gs>
-                    <a:gs pos="100000">
-                      <a:schemeClr val="tx1">
-                        <a:lumMod val="75000"/>
-                      </a:schemeClr>
-                    </a:gs>
-                  </a:gsLst>
-                  <a:lin ang="5580000" scaled="0"/>
-                  <a:tileRect/>
-                </a:gradFill>
-                <a:effectLst>
-                  <a:glow rad="38100">
-                    <a:schemeClr val="bg1">
-                      <a:lumMod val="50000"/>
-                      <a:lumOff val="50000"/>
-                      <a:alpha val="20000"/>
-                    </a:schemeClr>
-                  </a:glow>
-                  <a:outerShdw blurRad="44450" dist="12700" dir="13860000" algn="tl" rotWithShape="0">
-                    <a:srgbClr val="000000">
-                      <a:alpha val="20000"/>
-                    </a:srgbClr>
-                  </a:outerShdw>
-                </a:effectLst>
-                <a:latin typeface="+mn-lt"/>
-                <a:ea typeface="+mn-ea"/>
-                <a:cs typeface="+mn-cs"/>
-              </a:defRPr>
-            </a:lvl8pPr>
-            <a:lvl9pPr marL="3886200" indent="-228600" algn="l" defTabSz="457200" rtl="0" eaLnBrk="1" latinLnBrk="0" hangingPunct="1">
-              <a:spcBef>
-                <a:spcPct val="20000"/>
-              </a:spcBef>
-              <a:spcAft>
-                <a:spcPts val="600"/>
-              </a:spcAft>
-              <a:buClr>
-                <a:schemeClr val="tx1"/>
-              </a:buClr>
-              <a:buSzPct val="100000"/>
-              <a:buFont typeface="Arial"/>
-              <a:buChar char="•"/>
-              <a:defRPr sz="1200" kern="1200" cap="small">
-                <a:gradFill flip="none" rotWithShape="1">
-                  <a:gsLst>
-                    <a:gs pos="0">
-                      <a:schemeClr val="tx1"/>
-                    </a:gs>
-                    <a:gs pos="100000">
-                      <a:schemeClr val="tx1">
-                        <a:lumMod val="75000"/>
-                      </a:schemeClr>
-                    </a:gs>
-                  </a:gsLst>
-                  <a:lin ang="5580000" scaled="0"/>
-                  <a:tileRect/>
-                </a:gradFill>
-                <a:effectLst>
-                  <a:glow rad="38100">
-                    <a:schemeClr val="bg1">
-                      <a:lumMod val="50000"/>
-                      <a:lumOff val="50000"/>
-                      <a:alpha val="20000"/>
-                    </a:schemeClr>
-                  </a:glow>
-                  <a:outerShdw blurRad="44450" dist="12700" dir="13860000" algn="tl" rotWithShape="0">
-                    <a:srgbClr val="000000">
-                      <a:alpha val="20000"/>
-                    </a:srgbClr>
-                  </a:outerShdw>
-                </a:effectLst>
-                <a:latin typeface="+mn-lt"/>
-                <a:ea typeface="+mn-ea"/>
-                <a:cs typeface="+mn-cs"/>
-              </a:defRPr>
-            </a:lvl9pPr>
-          </a:lstStyle>
-          <a:p>
-            <a:pPr marL="0" indent="0" algn="ctr">
-              <a:buNone/>
-            </a:pPr>
-            <a:r>
-              <a:rPr lang="en-AU" sz="2800" dirty="0" err="1"/>
-              <a:t>Usyd</a:t>
-            </a:r>
-            <a:r>
-              <a:rPr lang="en-AU" sz="2800" dirty="0"/>
-              <a:t> Rocketry Projects</a:t>
-            </a:r>
-          </a:p>
-        </p:txBody>
-      </p:sp>
+      </p:pic>
+      <p:pic>
+        <p:nvPicPr>
+          <p:cNvPr id="7" name="Picture 6" descr="Chart, line chart&#10;&#10;Description automatically generated">
+            <a:extLst>
+              <a:ext uri="{FF2B5EF4-FFF2-40B4-BE49-F238E27FC236}">
+                <a16:creationId xmlns:a16="http://schemas.microsoft.com/office/drawing/2014/main" id="{80E505C7-ED45-47A2-8E17-F7362A86AAA2}"/>
+              </a:ext>
+            </a:extLst>
+          </p:cNvPr>
+          <p:cNvPicPr>
+            <a:picLocks noChangeAspect="1"/>
+          </p:cNvPicPr>
+          <p:nvPr/>
+        </p:nvPicPr>
+        <p:blipFill>
+          <a:blip r:embed="rId4">
+            <a:extLst>
+              <a:ext uri="{28A0092B-C50C-407E-A947-70E740481C1C}">
+                <a14:useLocalDpi xmlns:a14="http://schemas.microsoft.com/office/drawing/2010/main" val="0"/>
+              </a:ext>
+            </a:extLst>
+          </a:blip>
+          <a:stretch>
+            <a:fillRect/>
+          </a:stretch>
+        </p:blipFill>
+        <p:spPr>
+          <a:xfrm>
+            <a:off x="4418329" y="3450573"/>
+            <a:ext cx="3108960" cy="2331719"/>
+          </a:xfrm>
+          <a:prstGeom prst="rect">
+            <a:avLst/>
+          </a:prstGeom>
+        </p:spPr>
+      </p:pic>
+      <p:pic>
+        <p:nvPicPr>
+          <p:cNvPr id="9" name="Picture 8" descr="Chart, line chart&#10;&#10;Description automatically generated">
+            <a:extLst>
+              <a:ext uri="{FF2B5EF4-FFF2-40B4-BE49-F238E27FC236}">
+                <a16:creationId xmlns:a16="http://schemas.microsoft.com/office/drawing/2014/main" id="{B298DDB0-4976-4AB6-B850-1B39C652626B}"/>
+              </a:ext>
+            </a:extLst>
+          </p:cNvPr>
+          <p:cNvPicPr>
+            <a:picLocks noChangeAspect="1"/>
+          </p:cNvPicPr>
+          <p:nvPr/>
+        </p:nvPicPr>
+        <p:blipFill>
+          <a:blip r:embed="rId5">
+            <a:extLst>
+              <a:ext uri="{28A0092B-C50C-407E-A947-70E740481C1C}">
+                <a14:useLocalDpi xmlns:a14="http://schemas.microsoft.com/office/drawing/2010/main" val="0"/>
+              </a:ext>
+            </a:extLst>
+          </a:blip>
+          <a:stretch>
+            <a:fillRect/>
+          </a:stretch>
+        </p:blipFill>
+        <p:spPr>
+          <a:xfrm>
+            <a:off x="7771446" y="3432816"/>
+            <a:ext cx="3108960" cy="2331719"/>
+          </a:xfrm>
+          <a:prstGeom prst="rect">
+            <a:avLst/>
+          </a:prstGeom>
+        </p:spPr>
+      </p:pic>
+      <p:sp>
+        <p:nvSpPr>
+          <p:cNvPr id="13" name="Rectangle 12">
+            <a:extLst>
+              <a:ext uri="{FF2B5EF4-FFF2-40B4-BE49-F238E27FC236}">
+                <a16:creationId xmlns:a16="http://schemas.microsoft.com/office/drawing/2014/main" id="{CA73CF60-19A6-424A-ACA8-C147CA1A4843}"/>
+              </a:ext>
+            </a:extLst>
+          </p:cNvPr>
+          <p:cNvSpPr/>
+          <p:nvPr/>
+        </p:nvSpPr>
+        <p:spPr>
+          <a:xfrm>
+            <a:off x="203982" y="822960"/>
+            <a:ext cx="4333941" cy="1730326"/>
+          </a:xfrm>
+          <a:prstGeom prst="rect">
+            <a:avLst/>
+          </a:prstGeom>
+          <a:solidFill>
+            <a:schemeClr val="tx1"/>
+          </a:solidFill>
+        </p:spPr>
+        <p:style>
+          <a:lnRef idx="2">
+            <a:schemeClr val="accent1">
+              <a:shade val="50000"/>
+            </a:schemeClr>
+          </a:lnRef>
+          <a:fillRef idx="1">
+            <a:schemeClr val="accent1"/>
+          </a:fillRef>
+          <a:effectRef idx="0">
+            <a:schemeClr val="accent1"/>
+          </a:effectRef>
+          <a:fontRef idx="minor">
+            <a:schemeClr val="lt1"/>
+          </a:fontRef>
+        </p:style>
+        <p:txBody>
+          <a:bodyPr rtlCol="0" anchor="ctr"/>
+          <a:lstStyle/>
+          <a:p>
+            <a:pPr algn="ctr"/>
+            <a:endParaRPr lang="en-AU"/>
+          </a:p>
+        </p:txBody>
+      </p:sp>
+      <p:pic>
+        <p:nvPicPr>
+          <p:cNvPr id="11" name="Picture 10" descr="Logo&#10;&#10;Description automatically generated">
+            <a:extLst>
+              <a:ext uri="{FF2B5EF4-FFF2-40B4-BE49-F238E27FC236}">
+                <a16:creationId xmlns:a16="http://schemas.microsoft.com/office/drawing/2014/main" id="{9DD30364-9F73-46CE-A5EB-EE57EE5B8DB2}"/>
+              </a:ext>
+            </a:extLst>
+          </p:cNvPr>
+          <p:cNvPicPr>
+            <a:picLocks noChangeAspect="1"/>
+          </p:cNvPicPr>
+          <p:nvPr/>
+        </p:nvPicPr>
+        <p:blipFill>
+          <a:blip r:embed="rId6">
+            <a:extLst>
+              <a:ext uri="{28A0092B-C50C-407E-A947-70E740481C1C}">
+                <a14:useLocalDpi xmlns:a14="http://schemas.microsoft.com/office/drawing/2010/main" val="0"/>
+              </a:ext>
+            </a:extLst>
+          </a:blip>
+          <a:stretch>
+            <a:fillRect/>
+          </a:stretch>
+        </p:blipFill>
+        <p:spPr>
+          <a:xfrm>
+            <a:off x="310656" y="963214"/>
+            <a:ext cx="4107673" cy="1411651"/>
+          </a:xfrm>
+          <a:prstGeom prst="rect">
+            <a:avLst/>
+          </a:prstGeom>
+        </p:spPr>
+      </p:pic>
     </p:spTree>
     <p:extLst>
       <p:ext uri="{BB962C8B-B14F-4D97-AF65-F5344CB8AC3E}">
